--- a/PartB-Clustering.pptx
+++ b/PartB-Clustering.pptx
@@ -120,7 +120,7 @@
   </p:defaultTextStyle>
   <p:extLst>
     <p:ext uri="{EFAFB233-063F-42B5-8137-9DF3F51BA10A}">
-      <p15:sldGuideLst xmlns:p15="http://schemas.microsoft.com/office/powerpoint/2012/main"/>
+      <p15:sldGuideLst xmlns:p15="http://schemas.microsoft.com/office/powerpoint/2012/main" xmlns=""/>
     </p:ext>
   </p:extLst>
 </p:presentation>
@@ -128,17 +128,7 @@
 
 <file path=ppt/charts/chart1.xml><?xml version="1.0" encoding="utf-8"?>
 <c:chartSpace xmlns:c="http://schemas.openxmlformats.org/drawingml/2006/chart" xmlns:a="http://schemas.openxmlformats.org/drawingml/2006/main" xmlns:r="http://schemas.openxmlformats.org/officeDocument/2006/relationships">
-  <c:date1904 val="0"/>
-  <c:lang val="en-US"/>
-  <c:roundedCorners val="0"/>
-  <mc:AlternateContent xmlns:mc="http://schemas.openxmlformats.org/markup-compatibility/2006">
-    <mc:Choice xmlns:c14="http://schemas.microsoft.com/office/drawing/2007/8/2/chart" Requires="c14">
-      <c14:style val="102"/>
-    </mc:Choice>
-    <mc:Fallback>
-      <c:style val="2"/>
-    </mc:Fallback>
-  </mc:AlternateContent>
+  <c:lang val="en-IN"/>
   <c:chart>
     <c:title>
       <c:tx>
@@ -147,7 +137,7 @@
           <a:lstStyle/>
           <a:p>
             <a:pPr>
-              <a:defRPr sz="1400" b="0" i="0" u="none" strike="noStrike" kern="1200" spc="0" baseline="0">
+              <a:defRPr lang="en-US" sz="1400" b="0" i="0" u="none" strike="noStrike" kern="1200" spc="0" baseline="0">
                 <a:solidFill>
                   <a:schemeClr val="tx1">
                     <a:lumMod val="65000"/>
@@ -167,7 +157,6 @@
         </c:rich>
       </c:tx>
       <c:layout/>
-      <c:overlay val="0"/>
       <c:spPr>
         <a:noFill/>
         <a:ln>
@@ -175,28 +164,7 @@
         </a:ln>
         <a:effectLst/>
       </c:spPr>
-      <c:txPr>
-        <a:bodyPr rot="0" spcFirstLastPara="1" vertOverflow="ellipsis" vert="horz" wrap="square" anchor="ctr" anchorCtr="1"/>
-        <a:lstStyle/>
-        <a:p>
-          <a:pPr>
-            <a:defRPr sz="1400" b="0" i="0" u="none" strike="noStrike" kern="1200" spc="0" baseline="0">
-              <a:solidFill>
-                <a:schemeClr val="tx1">
-                  <a:lumMod val="65000"/>
-                  <a:lumOff val="35000"/>
-                </a:schemeClr>
-              </a:solidFill>
-              <a:latin typeface="+mn-lt"/>
-              <a:ea typeface="+mn-ea"/>
-              <a:cs typeface="+mn-cs"/>
-            </a:defRPr>
-          </a:pPr>
-          <a:endParaRPr lang="en-US"/>
-        </a:p>
-      </c:txPr>
     </c:title>
-    <c:autoTitleDeleted val="0"/>
     <c:plotArea>
       <c:layout/>
       <c:doughnutChart>
@@ -206,7 +174,6 @@
           <c:order val="0"/>
           <c:dPt>
             <c:idx val="0"/>
-            <c:bubble3D val="0"/>
             <c:spPr>
               <a:solidFill>
                 <a:schemeClr val="accent1"/>
@@ -221,7 +188,6 @@
           </c:dPt>
           <c:dPt>
             <c:idx val="1"/>
-            <c:bubble3D val="0"/>
             <c:spPr>
               <a:solidFill>
                 <a:schemeClr val="accent2"/>
@@ -264,15 +230,7 @@
             </c:numRef>
           </c:val>
         </c:ser>
-        <c:dLbls>
-          <c:showLegendKey val="0"/>
-          <c:showVal val="0"/>
-          <c:showCatName val="0"/>
-          <c:showSerName val="0"/>
-          <c:showPercent val="0"/>
-          <c:showBubbleSize val="0"/>
-          <c:showLeaderLines val="1"/>
-        </c:dLbls>
+        <c:dLbls/>
         <c:firstSliceAng val="0"/>
         <c:holeSize val="75"/>
       </c:doughnutChart>
@@ -287,7 +245,6 @@
     <c:legend>
       <c:legendPos val="b"/>
       <c:layout/>
-      <c:overlay val="0"/>
       <c:spPr>
         <a:noFill/>
         <a:ln>
@@ -300,7 +257,7 @@
         <a:lstStyle/>
         <a:p>
           <a:pPr>
-            <a:defRPr sz="900" b="0" i="0" u="none" strike="noStrike" kern="1200" baseline="0">
+            <a:defRPr lang="en-US" sz="900" b="0" i="0" u="none" strike="noStrike" kern="1200" baseline="0">
               <a:solidFill>
                 <a:schemeClr val="tx1">
                   <a:lumMod val="65000"/>
@@ -317,8 +274,7 @@
       </c:txPr>
     </c:legend>
     <c:plotVisOnly val="1"/>
-    <c:dispBlanksAs val="gap"/>
-    <c:showDLblsOverMax val="0"/>
+    <c:dispBlanksAs val="zero"/>
   </c:chart>
   <c:spPr>
     <a:noFill/>
@@ -337,35 +293,20 @@
       <a:endParaRPr lang="en-US"/>
     </a:p>
   </c:txPr>
-  <c:externalData r:id="rId3">
-    <c:autoUpdate val="0"/>
-  </c:externalData>
+  <c:externalData r:id="rId1"/>
 </c:chartSpace>
 </file>
 
 <file path=ppt/charts/chart2.xml><?xml version="1.0" encoding="utf-8"?>
 <c:chartSpace xmlns:c="http://schemas.openxmlformats.org/drawingml/2006/chart" xmlns:a="http://schemas.openxmlformats.org/drawingml/2006/main" xmlns:r="http://schemas.openxmlformats.org/officeDocument/2006/relationships">
-  <c:date1904 val="0"/>
-  <c:lang val="en-US"/>
-  <c:roundedCorners val="0"/>
-  <mc:AlternateContent xmlns:mc="http://schemas.openxmlformats.org/markup-compatibility/2006">
-    <mc:Choice xmlns:c14="http://schemas.microsoft.com/office/drawing/2007/8/2/chart" Requires="c14">
-      <c14:style val="102"/>
-    </mc:Choice>
-    <mc:Fallback>
-      <c:style val="2"/>
-    </mc:Fallback>
-  </mc:AlternateContent>
+  <c:lang val="en-IN"/>
   <c:chart>
-    <c:autoTitleDeleted val="0"/>
     <c:view3D>
       <c:rotX val="50"/>
-      <c:rotY val="0"/>
       <c:depthPercent val="100"/>
-      <c:rAngAx val="0"/>
+      <c:perspective val="30"/>
     </c:view3D>
     <c:floor>
-      <c:thickness val="0"/>
       <c:spPr>
         <a:noFill/>
         <a:ln>
@@ -376,7 +317,6 @@
       </c:spPr>
     </c:floor>
     <c:sideWall>
-      <c:thickness val="0"/>
       <c:spPr>
         <a:noFill/>
         <a:ln>
@@ -387,7 +327,6 @@
       </c:spPr>
     </c:sideWall>
     <c:backWall>
-      <c:thickness val="0"/>
       <c:spPr>
         <a:noFill/>
         <a:ln>
@@ -402,14 +341,7 @@
       <c:pie3DChart>
         <c:varyColors val="1"/>
         <c:dLbls>
-          <c:dLblPos val="inEnd"/>
-          <c:showLegendKey val="0"/>
-          <c:showVal val="0"/>
-          <c:showCatName val="0"/>
-          <c:showSerName val="0"/>
           <c:showPercent val="1"/>
-          <c:showBubbleSize val="0"/>
-          <c:showLeaderLines val="0"/>
         </c:dLbls>
       </c:pie3DChart>
       <c:spPr>
@@ -421,8 +353,7 @@
       </c:spPr>
     </c:plotArea>
     <c:plotVisOnly val="1"/>
-    <c:dispBlanksAs val="gap"/>
-    <c:showDLblsOverMax val="0"/>
+    <c:dispBlanksAs val="zero"/>
   </c:chart>
   <c:spPr>
     <a:noFill/>
@@ -441,9 +372,7 @@
       <a:endParaRPr lang="en-US"/>
     </a:p>
   </c:txPr>
-  <c:externalData r:id="rId3">
-    <c:autoUpdate val="0"/>
-  </c:externalData>
+  <c:externalData r:id="rId1"/>
 </c:chartSpace>
 </file>
 
@@ -1800,7 +1729,8 @@
           <a:p>
             <a:fld id="{7A015B2A-87FD-44DE-9950-7551D4A42BC6}" type="datetimeFigureOut">
               <a:rPr lang="en-US" smtClean="0"/>
-              <a:t>10/8/2016</a:t>
+              <a:pPr/>
+              <a:t>12/20/2016</a:t>
             </a:fld>
             <a:endParaRPr lang="en-US"/>
           </a:p>
@@ -1842,6 +1772,7 @@
           <a:p>
             <a:fld id="{BCDBE328-D0AA-45CB-9F44-79BC3B87ED76}" type="slidenum">
               <a:rPr lang="en-US" smtClean="0"/>
+              <a:pPr/>
               <a:t>‹#›</a:t>
             </a:fld>
             <a:endParaRPr lang="en-US"/>
@@ -1851,7 +1782,7 @@
     </p:spTree>
     <p:extLst>
       <p:ext uri="{BB962C8B-B14F-4D97-AF65-F5344CB8AC3E}">
-        <p14:creationId xmlns:p14="http://schemas.microsoft.com/office/powerpoint/2010/main" val="942320305"/>
+        <p14:creationId xmlns:p14="http://schemas.microsoft.com/office/powerpoint/2010/main" xmlns="" val="942320305"/>
       </p:ext>
     </p:extLst>
   </p:cSld>
@@ -2075,7 +2006,8 @@
           <a:p>
             <a:fld id="{7A015B2A-87FD-44DE-9950-7551D4A42BC6}" type="datetimeFigureOut">
               <a:rPr lang="en-US" smtClean="0"/>
-              <a:t>10/8/2016</a:t>
+              <a:pPr/>
+              <a:t>12/20/2016</a:t>
             </a:fld>
             <a:endParaRPr lang="en-US"/>
           </a:p>
@@ -2117,6 +2049,7 @@
           <a:p>
             <a:fld id="{BCDBE328-D0AA-45CB-9F44-79BC3B87ED76}" type="slidenum">
               <a:rPr lang="en-US" smtClean="0"/>
+              <a:pPr/>
               <a:t>‹#›</a:t>
             </a:fld>
             <a:endParaRPr lang="en-US"/>
@@ -2126,7 +2059,7 @@
     </p:spTree>
     <p:extLst>
       <p:ext uri="{BB962C8B-B14F-4D97-AF65-F5344CB8AC3E}">
-        <p14:creationId xmlns:p14="http://schemas.microsoft.com/office/powerpoint/2010/main" val="2951181222"/>
+        <p14:creationId xmlns:p14="http://schemas.microsoft.com/office/powerpoint/2010/main" xmlns="" val="2951181222"/>
       </p:ext>
     </p:extLst>
   </p:cSld>
@@ -2269,7 +2202,8 @@
           <a:p>
             <a:fld id="{7A015B2A-87FD-44DE-9950-7551D4A42BC6}" type="datetimeFigureOut">
               <a:rPr lang="en-US" smtClean="0"/>
-              <a:t>10/8/2016</a:t>
+              <a:pPr/>
+              <a:t>12/20/2016</a:t>
             </a:fld>
             <a:endParaRPr lang="en-US"/>
           </a:p>
@@ -2311,6 +2245,7 @@
           <a:p>
             <a:fld id="{BCDBE328-D0AA-45CB-9F44-79BC3B87ED76}" type="slidenum">
               <a:rPr lang="en-US" smtClean="0"/>
+              <a:pPr/>
               <a:t>‹#›</a:t>
             </a:fld>
             <a:endParaRPr lang="en-US"/>
@@ -2320,7 +2255,7 @@
     </p:spTree>
     <p:extLst>
       <p:ext uri="{BB962C8B-B14F-4D97-AF65-F5344CB8AC3E}">
-        <p14:creationId xmlns:p14="http://schemas.microsoft.com/office/powerpoint/2010/main" val="3363825990"/>
+        <p14:creationId xmlns:p14="http://schemas.microsoft.com/office/powerpoint/2010/main" xmlns="" val="3363825990"/>
       </p:ext>
     </p:extLst>
   </p:cSld>
@@ -2542,7 +2477,8 @@
           <a:p>
             <a:fld id="{7A015B2A-87FD-44DE-9950-7551D4A42BC6}" type="datetimeFigureOut">
               <a:rPr lang="en-US" smtClean="0"/>
-              <a:t>10/8/2016</a:t>
+              <a:pPr/>
+              <a:t>12/20/2016</a:t>
             </a:fld>
             <a:endParaRPr lang="en-US"/>
           </a:p>
@@ -2584,6 +2520,7 @@
           <a:p>
             <a:fld id="{BCDBE328-D0AA-45CB-9F44-79BC3B87ED76}" type="slidenum">
               <a:rPr lang="en-US" smtClean="0"/>
+              <a:pPr/>
               <a:t>‹#›</a:t>
             </a:fld>
             <a:endParaRPr lang="en-US"/>
@@ -2687,7 +2624,7 @@
     </p:spTree>
     <p:extLst>
       <p:ext uri="{BB962C8B-B14F-4D97-AF65-F5344CB8AC3E}">
-        <p14:creationId xmlns:p14="http://schemas.microsoft.com/office/powerpoint/2010/main" val="3308119201"/>
+        <p14:creationId xmlns:p14="http://schemas.microsoft.com/office/powerpoint/2010/main" xmlns="" val="3308119201"/>
       </p:ext>
     </p:extLst>
   </p:cSld>
@@ -2883,7 +2820,8 @@
           <a:p>
             <a:fld id="{7A015B2A-87FD-44DE-9950-7551D4A42BC6}" type="datetimeFigureOut">
               <a:rPr lang="en-US" smtClean="0"/>
-              <a:t>10/8/2016</a:t>
+              <a:pPr/>
+              <a:t>12/20/2016</a:t>
             </a:fld>
             <a:endParaRPr lang="en-US"/>
           </a:p>
@@ -2925,6 +2863,7 @@
           <a:p>
             <a:fld id="{BCDBE328-D0AA-45CB-9F44-79BC3B87ED76}" type="slidenum">
               <a:rPr lang="en-US" smtClean="0"/>
+              <a:pPr/>
               <a:t>‹#›</a:t>
             </a:fld>
             <a:endParaRPr lang="en-US"/>
@@ -2934,7 +2873,7 @@
     </p:spTree>
     <p:extLst>
       <p:ext uri="{BB962C8B-B14F-4D97-AF65-F5344CB8AC3E}">
-        <p14:creationId xmlns:p14="http://schemas.microsoft.com/office/powerpoint/2010/main" val="1195881643"/>
+        <p14:creationId xmlns:p14="http://schemas.microsoft.com/office/powerpoint/2010/main" xmlns="" val="1195881643"/>
       </p:ext>
     </p:extLst>
   </p:cSld>
@@ -3506,7 +3445,8 @@
           <a:p>
             <a:fld id="{7A015B2A-87FD-44DE-9950-7551D4A42BC6}" type="datetimeFigureOut">
               <a:rPr lang="en-US" smtClean="0"/>
-              <a:t>10/8/2016</a:t>
+              <a:pPr/>
+              <a:t>12/20/2016</a:t>
             </a:fld>
             <a:endParaRPr lang="en-US"/>
           </a:p>
@@ -3548,6 +3488,7 @@
           <a:p>
             <a:fld id="{BCDBE328-D0AA-45CB-9F44-79BC3B87ED76}" type="slidenum">
               <a:rPr lang="en-US" smtClean="0"/>
+              <a:pPr/>
               <a:t>‹#›</a:t>
             </a:fld>
             <a:endParaRPr lang="en-US"/>
@@ -3557,7 +3498,7 @@
     </p:spTree>
     <p:extLst>
       <p:ext uri="{BB962C8B-B14F-4D97-AF65-F5344CB8AC3E}">
-        <p14:creationId xmlns:p14="http://schemas.microsoft.com/office/powerpoint/2010/main" val="3691172969"/>
+        <p14:creationId xmlns:p14="http://schemas.microsoft.com/office/powerpoint/2010/main" xmlns="" val="3691172969"/>
       </p:ext>
     </p:extLst>
   </p:cSld>
@@ -4366,7 +4307,8 @@
           <a:p>
             <a:fld id="{7A015B2A-87FD-44DE-9950-7551D4A42BC6}" type="datetimeFigureOut">
               <a:rPr lang="en-US" smtClean="0"/>
-              <a:t>10/8/2016</a:t>
+              <a:pPr/>
+              <a:t>12/20/2016</a:t>
             </a:fld>
             <a:endParaRPr lang="en-US"/>
           </a:p>
@@ -4408,6 +4350,7 @@
           <a:p>
             <a:fld id="{BCDBE328-D0AA-45CB-9F44-79BC3B87ED76}" type="slidenum">
               <a:rPr lang="en-US" smtClean="0"/>
+              <a:pPr/>
               <a:t>‹#›</a:t>
             </a:fld>
             <a:endParaRPr lang="en-US"/>
@@ -4417,7 +4360,7 @@
     </p:spTree>
     <p:extLst>
       <p:ext uri="{BB962C8B-B14F-4D97-AF65-F5344CB8AC3E}">
-        <p14:creationId xmlns:p14="http://schemas.microsoft.com/office/powerpoint/2010/main" val="2374638862"/>
+        <p14:creationId xmlns:p14="http://schemas.microsoft.com/office/powerpoint/2010/main" xmlns="" val="2374638862"/>
       </p:ext>
     </p:extLst>
   </p:cSld>
@@ -4536,7 +4479,8 @@
           <a:p>
             <a:fld id="{7A015B2A-87FD-44DE-9950-7551D4A42BC6}" type="datetimeFigureOut">
               <a:rPr lang="en-US" smtClean="0"/>
-              <a:t>10/8/2016</a:t>
+              <a:pPr/>
+              <a:t>12/20/2016</a:t>
             </a:fld>
             <a:endParaRPr lang="en-US"/>
           </a:p>
@@ -4578,6 +4522,7 @@
           <a:p>
             <a:fld id="{BCDBE328-D0AA-45CB-9F44-79BC3B87ED76}" type="slidenum">
               <a:rPr lang="en-US" smtClean="0"/>
+              <a:pPr/>
               <a:t>‹#›</a:t>
             </a:fld>
             <a:endParaRPr lang="en-US"/>
@@ -4587,7 +4532,7 @@
     </p:spTree>
     <p:extLst>
       <p:ext uri="{BB962C8B-B14F-4D97-AF65-F5344CB8AC3E}">
-        <p14:creationId xmlns:p14="http://schemas.microsoft.com/office/powerpoint/2010/main" val="2076635648"/>
+        <p14:creationId xmlns:p14="http://schemas.microsoft.com/office/powerpoint/2010/main" xmlns="" val="2076635648"/>
       </p:ext>
     </p:extLst>
   </p:cSld>
@@ -4716,7 +4661,8 @@
           <a:p>
             <a:fld id="{7A015B2A-87FD-44DE-9950-7551D4A42BC6}" type="datetimeFigureOut">
               <a:rPr lang="en-US" smtClean="0"/>
-              <a:t>10/8/2016</a:t>
+              <a:pPr/>
+              <a:t>12/20/2016</a:t>
             </a:fld>
             <a:endParaRPr lang="en-US"/>
           </a:p>
@@ -4758,6 +4704,7 @@
           <a:p>
             <a:fld id="{BCDBE328-D0AA-45CB-9F44-79BC3B87ED76}" type="slidenum">
               <a:rPr lang="en-US" smtClean="0"/>
+              <a:pPr/>
               <a:t>‹#›</a:t>
             </a:fld>
             <a:endParaRPr lang="en-US"/>
@@ -4767,7 +4714,7 @@
     </p:spTree>
     <p:extLst>
       <p:ext uri="{BB962C8B-B14F-4D97-AF65-F5344CB8AC3E}">
-        <p14:creationId xmlns:p14="http://schemas.microsoft.com/office/powerpoint/2010/main" val="2622423493"/>
+        <p14:creationId xmlns:p14="http://schemas.microsoft.com/office/powerpoint/2010/main" xmlns="" val="2622423493"/>
       </p:ext>
     </p:extLst>
   </p:cSld>
@@ -4886,7 +4833,8 @@
           <a:p>
             <a:fld id="{7A015B2A-87FD-44DE-9950-7551D4A42BC6}" type="datetimeFigureOut">
               <a:rPr lang="en-US" smtClean="0"/>
-              <a:t>10/8/2016</a:t>
+              <a:pPr/>
+              <a:t>12/20/2016</a:t>
             </a:fld>
             <a:endParaRPr lang="en-US"/>
           </a:p>
@@ -4928,6 +4876,7 @@
           <a:p>
             <a:fld id="{BCDBE328-D0AA-45CB-9F44-79BC3B87ED76}" type="slidenum">
               <a:rPr lang="en-US" smtClean="0"/>
+              <a:pPr/>
               <a:t>‹#›</a:t>
             </a:fld>
             <a:endParaRPr lang="en-US"/>
@@ -4937,7 +4886,7 @@
     </p:spTree>
     <p:extLst>
       <p:ext uri="{BB962C8B-B14F-4D97-AF65-F5344CB8AC3E}">
-        <p14:creationId xmlns:p14="http://schemas.microsoft.com/office/powerpoint/2010/main" val="733395921"/>
+        <p14:creationId xmlns:p14="http://schemas.microsoft.com/office/powerpoint/2010/main" xmlns="" val="733395921"/>
       </p:ext>
     </p:extLst>
   </p:cSld>
@@ -5133,7 +5082,8 @@
           <a:p>
             <a:fld id="{7A015B2A-87FD-44DE-9950-7551D4A42BC6}" type="datetimeFigureOut">
               <a:rPr lang="en-US" smtClean="0"/>
-              <a:t>10/8/2016</a:t>
+              <a:pPr/>
+              <a:t>12/20/2016</a:t>
             </a:fld>
             <a:endParaRPr lang="en-US"/>
           </a:p>
@@ -5175,6 +5125,7 @@
           <a:p>
             <a:fld id="{BCDBE328-D0AA-45CB-9F44-79BC3B87ED76}" type="slidenum">
               <a:rPr lang="en-US" smtClean="0"/>
+              <a:pPr/>
               <a:t>‹#›</a:t>
             </a:fld>
             <a:endParaRPr lang="en-US"/>
@@ -5184,7 +5135,7 @@
     </p:spTree>
     <p:extLst>
       <p:ext uri="{BB962C8B-B14F-4D97-AF65-F5344CB8AC3E}">
-        <p14:creationId xmlns:p14="http://schemas.microsoft.com/office/powerpoint/2010/main" val="2318906514"/>
+        <p14:creationId xmlns:p14="http://schemas.microsoft.com/office/powerpoint/2010/main" xmlns="" val="2318906514"/>
       </p:ext>
     </p:extLst>
   </p:cSld>
@@ -5425,7 +5376,8 @@
           <a:p>
             <a:fld id="{7A015B2A-87FD-44DE-9950-7551D4A42BC6}" type="datetimeFigureOut">
               <a:rPr lang="en-US" smtClean="0"/>
-              <a:t>10/8/2016</a:t>
+              <a:pPr/>
+              <a:t>12/20/2016</a:t>
             </a:fld>
             <a:endParaRPr lang="en-US"/>
           </a:p>
@@ -5467,6 +5419,7 @@
           <a:p>
             <a:fld id="{BCDBE328-D0AA-45CB-9F44-79BC3B87ED76}" type="slidenum">
               <a:rPr lang="en-US" smtClean="0"/>
+              <a:pPr/>
               <a:t>‹#›</a:t>
             </a:fld>
             <a:endParaRPr lang="en-US"/>
@@ -5476,7 +5429,7 @@
     </p:spTree>
     <p:extLst>
       <p:ext uri="{BB962C8B-B14F-4D97-AF65-F5344CB8AC3E}">
-        <p14:creationId xmlns:p14="http://schemas.microsoft.com/office/powerpoint/2010/main" val="4279898840"/>
+        <p14:creationId xmlns:p14="http://schemas.microsoft.com/office/powerpoint/2010/main" xmlns="" val="4279898840"/>
       </p:ext>
     </p:extLst>
   </p:cSld>
@@ -5869,7 +5822,8 @@
           <a:p>
             <a:fld id="{7A015B2A-87FD-44DE-9950-7551D4A42BC6}" type="datetimeFigureOut">
               <a:rPr lang="en-US" smtClean="0"/>
-              <a:t>10/8/2016</a:t>
+              <a:pPr/>
+              <a:t>12/20/2016</a:t>
             </a:fld>
             <a:endParaRPr lang="en-US"/>
           </a:p>
@@ -5911,6 +5865,7 @@
           <a:p>
             <a:fld id="{BCDBE328-D0AA-45CB-9F44-79BC3B87ED76}" type="slidenum">
               <a:rPr lang="en-US" smtClean="0"/>
+              <a:pPr/>
               <a:t>‹#›</a:t>
             </a:fld>
             <a:endParaRPr lang="en-US"/>
@@ -5920,7 +5875,7 @@
     </p:spTree>
     <p:extLst>
       <p:ext uri="{BB962C8B-B14F-4D97-AF65-F5344CB8AC3E}">
-        <p14:creationId xmlns:p14="http://schemas.microsoft.com/office/powerpoint/2010/main" val="1066255151"/>
+        <p14:creationId xmlns:p14="http://schemas.microsoft.com/office/powerpoint/2010/main" xmlns="" val="1066255151"/>
       </p:ext>
     </p:extLst>
   </p:cSld>
@@ -5987,7 +5942,8 @@
           <a:p>
             <a:fld id="{7A015B2A-87FD-44DE-9950-7551D4A42BC6}" type="datetimeFigureOut">
               <a:rPr lang="en-US" smtClean="0"/>
-              <a:t>10/8/2016</a:t>
+              <a:pPr/>
+              <a:t>12/20/2016</a:t>
             </a:fld>
             <a:endParaRPr lang="en-US"/>
           </a:p>
@@ -6029,6 +5985,7 @@
           <a:p>
             <a:fld id="{BCDBE328-D0AA-45CB-9F44-79BC3B87ED76}" type="slidenum">
               <a:rPr lang="en-US" smtClean="0"/>
+              <a:pPr/>
               <a:t>‹#›</a:t>
             </a:fld>
             <a:endParaRPr lang="en-US"/>
@@ -6038,7 +5995,7 @@
     </p:spTree>
     <p:extLst>
       <p:ext uri="{BB962C8B-B14F-4D97-AF65-F5344CB8AC3E}">
-        <p14:creationId xmlns:p14="http://schemas.microsoft.com/office/powerpoint/2010/main" val="1340155623"/>
+        <p14:creationId xmlns:p14="http://schemas.microsoft.com/office/powerpoint/2010/main" xmlns="" val="1340155623"/>
       </p:ext>
     </p:extLst>
   </p:cSld>
@@ -6082,7 +6039,8 @@
           <a:p>
             <a:fld id="{7A015B2A-87FD-44DE-9950-7551D4A42BC6}" type="datetimeFigureOut">
               <a:rPr lang="en-US" smtClean="0"/>
-              <a:t>10/8/2016</a:t>
+              <a:pPr/>
+              <a:t>12/20/2016</a:t>
             </a:fld>
             <a:endParaRPr lang="en-US"/>
           </a:p>
@@ -6124,6 +6082,7 @@
           <a:p>
             <a:fld id="{BCDBE328-D0AA-45CB-9F44-79BC3B87ED76}" type="slidenum">
               <a:rPr lang="en-US" smtClean="0"/>
+              <a:pPr/>
               <a:t>‹#›</a:t>
             </a:fld>
             <a:endParaRPr lang="en-US"/>
@@ -6133,7 +6092,7 @@
     </p:spTree>
     <p:extLst>
       <p:ext uri="{BB962C8B-B14F-4D97-AF65-F5344CB8AC3E}">
-        <p14:creationId xmlns:p14="http://schemas.microsoft.com/office/powerpoint/2010/main" val="3423339432"/>
+        <p14:creationId xmlns:p14="http://schemas.microsoft.com/office/powerpoint/2010/main" xmlns="" val="3423339432"/>
       </p:ext>
     </p:extLst>
   </p:cSld>
@@ -6361,7 +6320,8 @@
           <a:p>
             <a:fld id="{7A015B2A-87FD-44DE-9950-7551D4A42BC6}" type="datetimeFigureOut">
               <a:rPr lang="en-US" smtClean="0"/>
-              <a:t>10/8/2016</a:t>
+              <a:pPr/>
+              <a:t>12/20/2016</a:t>
             </a:fld>
             <a:endParaRPr lang="en-US"/>
           </a:p>
@@ -6403,6 +6363,7 @@
           <a:p>
             <a:fld id="{BCDBE328-D0AA-45CB-9F44-79BC3B87ED76}" type="slidenum">
               <a:rPr lang="en-US" smtClean="0"/>
+              <a:pPr/>
               <a:t>‹#›</a:t>
             </a:fld>
             <a:endParaRPr lang="en-US"/>
@@ -6412,7 +6373,7 @@
     </p:spTree>
     <p:extLst>
       <p:ext uri="{BB962C8B-B14F-4D97-AF65-F5344CB8AC3E}">
-        <p14:creationId xmlns:p14="http://schemas.microsoft.com/office/powerpoint/2010/main" val="2299505349"/>
+        <p14:creationId xmlns:p14="http://schemas.microsoft.com/office/powerpoint/2010/main" xmlns="" val="2299505349"/>
       </p:ext>
     </p:extLst>
   </p:cSld>
@@ -6636,7 +6597,8 @@
           <a:p>
             <a:fld id="{7A015B2A-87FD-44DE-9950-7551D4A42BC6}" type="datetimeFigureOut">
               <a:rPr lang="en-US" smtClean="0"/>
-              <a:t>10/8/2016</a:t>
+              <a:pPr/>
+              <a:t>12/20/2016</a:t>
             </a:fld>
             <a:endParaRPr lang="en-US"/>
           </a:p>
@@ -6678,6 +6640,7 @@
           <a:p>
             <a:fld id="{BCDBE328-D0AA-45CB-9F44-79BC3B87ED76}" type="slidenum">
               <a:rPr lang="en-US" smtClean="0"/>
+              <a:pPr/>
               <a:t>‹#›</a:t>
             </a:fld>
             <a:endParaRPr lang="en-US"/>
@@ -6687,7 +6650,7 @@
     </p:spTree>
     <p:extLst>
       <p:ext uri="{BB962C8B-B14F-4D97-AF65-F5344CB8AC3E}">
-        <p14:creationId xmlns:p14="http://schemas.microsoft.com/office/powerpoint/2010/main" val="4291820070"/>
+        <p14:creationId xmlns:p14="http://schemas.microsoft.com/office/powerpoint/2010/main" xmlns="" val="4291820070"/>
       </p:ext>
     </p:extLst>
   </p:cSld>
@@ -6731,7 +6694,7 @@
           <a:blip r:embed="rId19">
             <a:extLst>
               <a:ext uri="{28A0092B-C50C-407E-A947-70E740481C1C}">
-                <a14:useLocalDpi xmlns:a14="http://schemas.microsoft.com/office/drawing/2010/main" val="0"/>
+                <a14:useLocalDpi xmlns:a14="http://schemas.microsoft.com/office/drawing/2010/main" xmlns="" val="0"/>
               </a:ext>
             </a:extLst>
           </a:blip>
@@ -6760,7 +6723,7 @@
           <a:blip r:embed="rId20">
             <a:extLst>
               <a:ext uri="{28A0092B-C50C-407E-A947-70E740481C1C}">
-                <a14:useLocalDpi xmlns:a14="http://schemas.microsoft.com/office/drawing/2010/main" val="0"/>
+                <a14:useLocalDpi xmlns:a14="http://schemas.microsoft.com/office/drawing/2010/main" xmlns="" val="0"/>
               </a:ext>
             </a:extLst>
           </a:blip>
@@ -6852,7 +6815,7 @@
           <a:blip r:embed="rId21">
             <a:extLst>
               <a:ext uri="{28A0092B-C50C-407E-A947-70E740481C1C}">
-                <a14:useLocalDpi xmlns:a14="http://schemas.microsoft.com/office/drawing/2010/main" val="0"/>
+                <a14:useLocalDpi xmlns:a14="http://schemas.microsoft.com/office/drawing/2010/main" xmlns="" val="0"/>
               </a:ext>
             </a:extLst>
           </a:blip>
@@ -6881,7 +6844,7 @@
           <a:blip r:embed="rId22">
             <a:extLst>
               <a:ext uri="{28A0092B-C50C-407E-A947-70E740481C1C}">
-                <a14:useLocalDpi xmlns:a14="http://schemas.microsoft.com/office/drawing/2010/main" val="0"/>
+                <a14:useLocalDpi xmlns:a14="http://schemas.microsoft.com/office/drawing/2010/main" xmlns="" val="0"/>
               </a:ext>
             </a:extLst>
           </a:blip>
@@ -7065,7 +7028,8 @@
           <a:p>
             <a:fld id="{7A015B2A-87FD-44DE-9950-7551D4A42BC6}" type="datetimeFigureOut">
               <a:rPr lang="en-US" smtClean="0"/>
-              <a:t>10/8/2016</a:t>
+              <a:pPr/>
+              <a:t>12/20/2016</a:t>
             </a:fld>
             <a:endParaRPr lang="en-US"/>
           </a:p>
@@ -7144,6 +7108,7 @@
           <a:p>
             <a:fld id="{BCDBE328-D0AA-45CB-9F44-79BC3B87ED76}" type="slidenum">
               <a:rPr lang="en-US" smtClean="0"/>
+              <a:pPr/>
               <a:t>‹#›</a:t>
             </a:fld>
             <a:endParaRPr lang="en-US"/>
@@ -7153,7 +7118,7 @@
     </p:spTree>
     <p:extLst>
       <p:ext uri="{BB962C8B-B14F-4D97-AF65-F5344CB8AC3E}">
-        <p14:creationId xmlns:p14="http://schemas.microsoft.com/office/powerpoint/2010/main" val="1461642822"/>
+        <p14:creationId xmlns:p14="http://schemas.microsoft.com/office/powerpoint/2010/main" xmlns="" val="1461642822"/>
       </p:ext>
     </p:extLst>
   </p:cSld>
@@ -7656,11 +7621,15 @@
               <a:t>			  							</a:t>
             </a:r>
             <a:r>
-              <a:rPr lang="en-IN" dirty="0" smtClean="0"/>
+              <a:rPr lang="en-IN" smtClean="0"/>
               <a:t>                </a:t>
             </a:r>
             <a:r>
-              <a:rPr lang="en-IN" b="1" dirty="0" smtClean="0">
+              <a:rPr lang="en-IN" smtClean="0"/>
+              <a:t> </a:t>
+            </a:r>
+            <a:r>
+              <a:rPr lang="en-IN" b="1" smtClean="0">
                 <a:effectLst>
                   <a:outerShdw blurRad="38100" dist="38100" dir="2700000" algn="tl">
                     <a:srgbClr val="000000">
@@ -7712,7 +7681,7 @@
     </p:spTree>
     <p:extLst>
       <p:ext uri="{BB962C8B-B14F-4D97-AF65-F5344CB8AC3E}">
-        <p14:creationId xmlns:p14="http://schemas.microsoft.com/office/powerpoint/2010/main" val="1604619968"/>
+        <p14:creationId xmlns:p14="http://schemas.microsoft.com/office/powerpoint/2010/main" xmlns="" val="1604619968"/>
       </p:ext>
     </p:extLst>
   </p:cSld>
@@ -7920,7 +7889,7 @@
     </p:spTree>
     <p:extLst>
       <p:ext uri="{BB962C8B-B14F-4D97-AF65-F5344CB8AC3E}">
-        <p14:creationId xmlns:p14="http://schemas.microsoft.com/office/powerpoint/2010/main" val="1389955594"/>
+        <p14:creationId xmlns:p14="http://schemas.microsoft.com/office/powerpoint/2010/main" xmlns="" val="1389955594"/>
       </p:ext>
     </p:extLst>
   </p:cSld>
@@ -8081,7 +8050,7 @@
     </p:spTree>
     <p:extLst>
       <p:ext uri="{BB962C8B-B14F-4D97-AF65-F5344CB8AC3E}">
-        <p14:creationId xmlns:p14="http://schemas.microsoft.com/office/powerpoint/2010/main" val="3908757459"/>
+        <p14:creationId xmlns:p14="http://schemas.microsoft.com/office/powerpoint/2010/main" xmlns="" val="3908757459"/>
       </p:ext>
     </p:extLst>
   </p:cSld>
@@ -8257,7 +8226,7 @@
     </p:spTree>
     <p:extLst>
       <p:ext uri="{BB962C8B-B14F-4D97-AF65-F5344CB8AC3E}">
-        <p14:creationId xmlns:p14="http://schemas.microsoft.com/office/powerpoint/2010/main" val="3446013739"/>
+        <p14:creationId xmlns:p14="http://schemas.microsoft.com/office/powerpoint/2010/main" xmlns="" val="3446013739"/>
       </p:ext>
     </p:extLst>
   </p:cSld>
@@ -8425,7 +8394,7 @@
     </p:spTree>
     <p:extLst>
       <p:ext uri="{BB962C8B-B14F-4D97-AF65-F5344CB8AC3E}">
-        <p14:creationId xmlns:p14="http://schemas.microsoft.com/office/powerpoint/2010/main" val="1729880262"/>
+        <p14:creationId xmlns:p14="http://schemas.microsoft.com/office/powerpoint/2010/main" xmlns="" val="1729880262"/>
       </p:ext>
     </p:extLst>
   </p:cSld>
@@ -8570,7 +8539,7 @@
     </p:spTree>
     <p:extLst>
       <p:ext uri="{BB962C8B-B14F-4D97-AF65-F5344CB8AC3E}">
-        <p14:creationId xmlns:p14="http://schemas.microsoft.com/office/powerpoint/2010/main" val="3418127014"/>
+        <p14:creationId xmlns:p14="http://schemas.microsoft.com/office/powerpoint/2010/main" xmlns="" val="3418127014"/>
       </p:ext>
     </p:extLst>
   </p:cSld>
@@ -8667,7 +8636,7 @@
     </p:spTree>
     <p:extLst>
       <p:ext uri="{BB962C8B-B14F-4D97-AF65-F5344CB8AC3E}">
-        <p14:creationId xmlns:p14="http://schemas.microsoft.com/office/powerpoint/2010/main" val="497595136"/>
+        <p14:creationId xmlns:p14="http://schemas.microsoft.com/office/powerpoint/2010/main" xmlns="" val="497595136"/>
       </p:ext>
     </p:extLst>
   </p:cSld>
@@ -8838,7 +8807,7 @@
           <p:nvPr>
             <p:extLst>
               <p:ext uri="{D42A27DB-BD31-4B8C-83A1-F6EECF244321}">
-                <p14:modId xmlns:p14="http://schemas.microsoft.com/office/powerpoint/2010/main" val="1830640118"/>
+                <p14:modId xmlns:p14="http://schemas.microsoft.com/office/powerpoint/2010/main" xmlns="" val="1830640118"/>
               </p:ext>
             </p:extLst>
           </p:nvPr>
@@ -8856,20 +8825,20 @@
     </p:spTree>
     <p:extLst>
       <p:ext uri="{BB962C8B-B14F-4D97-AF65-F5344CB8AC3E}">
-        <p14:creationId xmlns:p14="http://schemas.microsoft.com/office/powerpoint/2010/main" val="567319317"/>
+        <p14:creationId xmlns:p14="http://schemas.microsoft.com/office/powerpoint/2010/main" xmlns="" val="567319317"/>
       </p:ext>
     </p:extLst>
   </p:cSld>
   <p:clrMapOvr>
     <a:masterClrMapping/>
   </p:clrMapOvr>
-  <mc:AlternateContent xmlns:mc="http://schemas.openxmlformats.org/markup-compatibility/2006" xmlns:p14="http://schemas.microsoft.com/office/powerpoint/2010/main">
-    <mc:Choice Requires="p14">
+  <mc:AlternateContent xmlns:mc="http://schemas.openxmlformats.org/markup-compatibility/2006">
+    <mc:Choice xmlns:p14="http://schemas.microsoft.com/office/powerpoint/2010/main" xmlns="" Requires="p14">
       <p:transition spd="slow" p14:dur="1200">
         <p:dissolve/>
       </p:transition>
     </mc:Choice>
-    <mc:Fallback xmlns="">
+    <mc:Fallback>
       <p:transition spd="slow">
         <p:dissolve/>
       </p:transition>
@@ -9060,7 +9029,7 @@
           <p:nvPr>
             <p:extLst>
               <p:ext uri="{D42A27DB-BD31-4B8C-83A1-F6EECF244321}">
-                <p14:modId xmlns:p14="http://schemas.microsoft.com/office/powerpoint/2010/main" val="1456684373"/>
+                <p14:modId xmlns:p14="http://schemas.microsoft.com/office/powerpoint/2010/main" xmlns="" val="1456684373"/>
               </p:ext>
             </p:extLst>
           </p:nvPr>
@@ -9078,7 +9047,7 @@
     </p:spTree>
     <p:extLst>
       <p:ext uri="{BB962C8B-B14F-4D97-AF65-F5344CB8AC3E}">
-        <p14:creationId xmlns:p14="http://schemas.microsoft.com/office/powerpoint/2010/main" val="1052689159"/>
+        <p14:creationId xmlns:p14="http://schemas.microsoft.com/office/powerpoint/2010/main" xmlns="" val="1052689159"/>
       </p:ext>
     </p:extLst>
   </p:cSld>
@@ -9269,7 +9238,7 @@
     </p:spTree>
     <p:extLst>
       <p:ext uri="{BB962C8B-B14F-4D97-AF65-F5344CB8AC3E}">
-        <p14:creationId xmlns:p14="http://schemas.microsoft.com/office/powerpoint/2010/main" val="1358436331"/>
+        <p14:creationId xmlns:p14="http://schemas.microsoft.com/office/powerpoint/2010/main" xmlns="" val="1358436331"/>
       </p:ext>
     </p:extLst>
   </p:cSld>
@@ -9443,7 +9412,7 @@
     </p:spTree>
     <p:extLst>
       <p:ext uri="{BB962C8B-B14F-4D97-AF65-F5344CB8AC3E}">
-        <p14:creationId xmlns:p14="http://schemas.microsoft.com/office/powerpoint/2010/main" val="1590779663"/>
+        <p14:creationId xmlns:p14="http://schemas.microsoft.com/office/powerpoint/2010/main" xmlns="" val="1590779663"/>
       </p:ext>
     </p:extLst>
   </p:cSld>
@@ -9655,7 +9624,7 @@
     </p:spTree>
     <p:extLst>
       <p:ext uri="{BB962C8B-B14F-4D97-AF65-F5344CB8AC3E}">
-        <p14:creationId xmlns:p14="http://schemas.microsoft.com/office/powerpoint/2010/main" val="3063744750"/>
+        <p14:creationId xmlns:p14="http://schemas.microsoft.com/office/powerpoint/2010/main" xmlns="" val="3063744750"/>
       </p:ext>
     </p:extLst>
   </p:cSld>
@@ -9778,7 +9747,7 @@
     </p:spTree>
     <p:extLst>
       <p:ext uri="{BB962C8B-B14F-4D97-AF65-F5344CB8AC3E}">
-        <p14:creationId xmlns:p14="http://schemas.microsoft.com/office/powerpoint/2010/main" val="88959685"/>
+        <p14:creationId xmlns:p14="http://schemas.microsoft.com/office/powerpoint/2010/main" xmlns="" val="88959685"/>
       </p:ext>
     </p:extLst>
   </p:cSld>
@@ -9903,7 +9872,7 @@
     </p:spTree>
     <p:extLst>
       <p:ext uri="{BB962C8B-B14F-4D97-AF65-F5344CB8AC3E}">
-        <p14:creationId xmlns:p14="http://schemas.microsoft.com/office/powerpoint/2010/main" val="736309494"/>
+        <p14:creationId xmlns:p14="http://schemas.microsoft.com/office/powerpoint/2010/main" xmlns="" val="736309494"/>
       </p:ext>
     </p:extLst>
   </p:cSld>
@@ -10028,7 +9997,7 @@
     </p:spTree>
     <p:extLst>
       <p:ext uri="{BB962C8B-B14F-4D97-AF65-F5344CB8AC3E}">
-        <p14:creationId xmlns:p14="http://schemas.microsoft.com/office/powerpoint/2010/main" val="1938085035"/>
+        <p14:creationId xmlns:p14="http://schemas.microsoft.com/office/powerpoint/2010/main" xmlns="" val="1938085035"/>
       </p:ext>
     </p:extLst>
   </p:cSld>
@@ -10088,7 +10057,7 @@
     </a:clrScheme>
     <a:fontScheme name="Calibri">
       <a:majorFont>
-        <a:latin typeface="Calibri" panose="020F0502020204030204"/>
+        <a:latin typeface="Calibri"/>
         <a:ea typeface=""/>
         <a:cs typeface=""/>
         <a:font script="Jpan" typeface="メイリオ"/>
@@ -10123,7 +10092,7 @@
         <a:font script="Geor" typeface="Sylfaen"/>
       </a:majorFont>
       <a:minorFont>
-        <a:latin typeface="Calibri" panose="020F0502020204030204"/>
+        <a:latin typeface="Calibri"/>
         <a:ea typeface=""/>
         <a:cs typeface=""/>
         <a:font script="Jpan" typeface="メイリオ"/>
@@ -10305,7 +10274,7 @@
   <a:extraClrSchemeLst/>
   <a:extLst>
     <a:ext uri="{05A4C25C-085E-4340-85A3-A5531E510DB2}">
-      <thm15:themeFamily xmlns:thm15="http://schemas.microsoft.com/office/thememl/2012/main" name="Ion" id="{B8441ADB-2E43-4AF7-B97A-BD870242C6A8}" vid="{292E63A9-BB86-4E3D-B92A-7223C6510D2E}"/>
+      <thm15:themeFamily xmlns:thm15="http://schemas.microsoft.com/office/thememl/2012/main" xmlns="" name="Ion" id="{B8441ADB-2E43-4AF7-B97A-BD870242C6A8}" vid="{292E63A9-BB86-4E3D-B92A-7223C6510D2E}"/>
     </a:ext>
   </a:extLst>
 </a:theme>
